--- a/05_AppComp.pptx
+++ b/05_AppComp.pptx
@@ -5,12 +5,17 @@
     <p:sldMasterId id="2147483648" r:id="rId1"/>
   </p:sldMasterIdLst>
   <p:notesMasterIdLst>
-    <p:notesMasterId r:id="rId5"/>
+    <p:notesMasterId r:id="rId10"/>
   </p:notesMasterIdLst>
   <p:sldIdLst>
     <p:sldId id="256" r:id="rId2"/>
     <p:sldId id="263" r:id="rId3"/>
-    <p:sldId id="259" r:id="rId4"/>
+    <p:sldId id="264" r:id="rId4"/>
+    <p:sldId id="265" r:id="rId5"/>
+    <p:sldId id="266" r:id="rId6"/>
+    <p:sldId id="267" r:id="rId7"/>
+    <p:sldId id="268" r:id="rId8"/>
+    <p:sldId id="259" r:id="rId9"/>
   </p:sldIdLst>
   <p:sldSz cx="9144000" cy="6858000" type="screen4x3"/>
   <p:notesSz cx="6858000" cy="9144000"/>
@@ -211,7 +216,7 @@
             <a:fld id="{6837EDA8-41C8-4B24-A206-13C08A65A6D7}" type="datetimeFigureOut">
               <a:rPr lang="zh-TW" altLang="en-US" smtClean="0"/>
               <a:pPr/>
-              <a:t>2020/3/23</a:t>
+              <a:t>2020/10/6</a:t>
             </a:fld>
             <a:endParaRPr lang="zh-TW" altLang="en-US"/>
           </a:p>
@@ -664,7 +669,7 @@
             <a:fld id="{8B85509C-BD4F-47BF-9B1E-FC2E949B3621}" type="datetime1">
               <a:rPr lang="zh-TW" altLang="en-US" smtClean="0"/>
               <a:pPr/>
-              <a:t>2020/3/23</a:t>
+              <a:t>2020/10/6</a:t>
             </a:fld>
             <a:endParaRPr lang="zh-TW" altLang="en-US"/>
           </a:p>
@@ -837,7 +842,7 @@
             <a:fld id="{42251B24-F787-4C15-8A0F-7AEC20C70069}" type="datetime1">
               <a:rPr lang="zh-TW" altLang="en-US" smtClean="0"/>
               <a:pPr/>
-              <a:t>2020/3/23</a:t>
+              <a:t>2020/10/6</a:t>
             </a:fld>
             <a:endParaRPr lang="zh-TW" altLang="en-US"/>
           </a:p>
@@ -1012,7 +1017,7 @@
             <a:fld id="{9CA0D33C-CE2B-45F1-B8D4-FFD1F131F331}" type="datetime1">
               <a:rPr lang="zh-TW" altLang="en-US" smtClean="0"/>
               <a:pPr/>
-              <a:t>2020/3/23</a:t>
+              <a:t>2020/10/6</a:t>
             </a:fld>
             <a:endParaRPr lang="zh-TW" altLang="en-US"/>
           </a:p>
@@ -1177,7 +1182,7 @@
             <a:fld id="{50B99440-D9EF-40CC-9B52-F6428D9B2C76}" type="datetime1">
               <a:rPr lang="zh-TW" altLang="en-US" smtClean="0"/>
               <a:pPr/>
-              <a:t>2020/3/23</a:t>
+              <a:t>2020/10/6</a:t>
             </a:fld>
             <a:endParaRPr lang="zh-TW" altLang="en-US"/>
           </a:p>
@@ -1419,7 +1424,7 @@
             <a:fld id="{0871BF52-5C6C-4959-8E27-CECB68D39FE4}" type="datetime1">
               <a:rPr lang="zh-TW" altLang="en-US" smtClean="0"/>
               <a:pPr/>
-              <a:t>2020/3/23</a:t>
+              <a:t>2020/10/6</a:t>
             </a:fld>
             <a:endParaRPr lang="zh-TW" altLang="en-US"/>
           </a:p>
@@ -1701,7 +1706,7 @@
             <a:fld id="{DF863F05-2DD9-4EB1-A827-12FD992DE9DC}" type="datetime1">
               <a:rPr lang="zh-TW" altLang="en-US" smtClean="0"/>
               <a:pPr/>
-              <a:t>2020/3/23</a:t>
+              <a:t>2020/10/6</a:t>
             </a:fld>
             <a:endParaRPr lang="zh-TW" altLang="en-US"/>
           </a:p>
@@ -2117,7 +2122,7 @@
             <a:fld id="{6339AF51-4491-4873-A096-75DB6CE47516}" type="datetime1">
               <a:rPr lang="zh-TW" altLang="en-US" smtClean="0"/>
               <a:pPr/>
-              <a:t>2020/3/23</a:t>
+              <a:t>2020/10/6</a:t>
             </a:fld>
             <a:endParaRPr lang="zh-TW" altLang="en-US"/>
           </a:p>
@@ -2231,7 +2236,7 @@
             <a:fld id="{EE4AD9C8-8B9E-40FF-ABE2-858AC2057BBB}" type="datetime1">
               <a:rPr lang="zh-TW" altLang="en-US" smtClean="0"/>
               <a:pPr/>
-              <a:t>2020/3/23</a:t>
+              <a:t>2020/10/6</a:t>
             </a:fld>
             <a:endParaRPr lang="zh-TW" altLang="en-US"/>
           </a:p>
@@ -2323,7 +2328,7 @@
             <a:fld id="{B4784999-BBBE-4BE4-A8D0-877E7D1D66CC}" type="datetime1">
               <a:rPr lang="zh-TW" altLang="en-US" smtClean="0"/>
               <a:pPr/>
-              <a:t>2020/3/23</a:t>
+              <a:t>2020/10/6</a:t>
             </a:fld>
             <a:endParaRPr lang="zh-TW" altLang="en-US"/>
           </a:p>
@@ -2595,7 +2600,7 @@
             <a:fld id="{E88D17E6-02BD-4944-B9FE-7BFCCBF83D48}" type="datetime1">
               <a:rPr lang="zh-TW" altLang="en-US" smtClean="0"/>
               <a:pPr/>
-              <a:t>2020/3/23</a:t>
+              <a:t>2020/10/6</a:t>
             </a:fld>
             <a:endParaRPr lang="zh-TW" altLang="en-US"/>
           </a:p>
@@ -2844,7 +2849,7 @@
             <a:fld id="{3C13E23D-1FEF-4D78-A3A3-3D6F2BB31954}" type="datetime1">
               <a:rPr lang="zh-TW" altLang="en-US" smtClean="0"/>
               <a:pPr/>
-              <a:t>2020/3/23</a:t>
+              <a:t>2020/10/6</a:t>
             </a:fld>
             <a:endParaRPr lang="zh-TW" altLang="en-US"/>
           </a:p>
@@ -3052,7 +3057,7 @@
             <a:fld id="{06197F35-AD6F-4594-8B50-334492D2E7E8}" type="datetime1">
               <a:rPr lang="zh-TW" altLang="en-US" smtClean="0"/>
               <a:pPr/>
-              <a:t>2020/3/23</a:t>
+              <a:t>2020/10/6</a:t>
             </a:fld>
             <a:endParaRPr lang="zh-TW" altLang="en-US"/>
           </a:p>
@@ -3513,7 +3518,7 @@
             <a:fld id="{C389EDC9-19E3-47AC-9C57-C6A24DEA81AD}" type="datetime1">
               <a:rPr lang="zh-TW" altLang="en-US" smtClean="0"/>
               <a:pPr/>
-              <a:t>2020/3/23</a:t>
+              <a:t>2020/10/6</a:t>
             </a:fld>
             <a:endParaRPr lang="zh-TW" altLang="en-US"/>
           </a:p>
@@ -3675,8 +3680,8 @@
         </p:nvSpPr>
         <p:spPr>
           <a:xfrm>
-            <a:off x="467544" y="1340768"/>
-            <a:ext cx="8352928" cy="1008112"/>
+            <a:off x="467544" y="1340769"/>
+            <a:ext cx="8352928" cy="1296144"/>
           </a:xfrm>
           <a:ln>
             <a:solidFill>
@@ -3699,14 +3704,19 @@
               <a:buChar char="u"/>
             </a:pPr>
             <a:r>
-              <a:rPr lang="en-US" altLang="zh-TW" sz="1800" b="1" dirty="0">
+              <a:rPr lang="en-US" sz="1800" b="1" i="0" dirty="0">
                 <a:solidFill>
-                  <a:schemeClr val="tx1"/>
+                  <a:srgbClr val="000000"/>
                 </a:solidFill>
-                <a:latin typeface="+mj-lt"/>
+                <a:effectLst/>
               </a:rPr>
-              <a:t>Application Components includes:</a:t>
-            </a:r>
+              <a:t>We discusses different GraphQL components and the way they communicate with each other. The entire application components can be distinguished as below:</a:t>
+            </a:r>
+            <a:endParaRPr lang="en-US" altLang="zh-TW" sz="1800" b="1" dirty="0">
+              <a:solidFill>
+                <a:schemeClr val="tx1"/>
+              </a:solidFill>
+            </a:endParaRPr>
           </a:p>
           <a:p>
             <a:pPr marL="800100" lvl="1" indent="-342900" algn="l">
@@ -3722,7 +3732,6 @@
                 <a:solidFill>
                   <a:schemeClr val="tx1"/>
                 </a:solidFill>
-                <a:latin typeface="+mj-lt"/>
               </a:rPr>
               <a:t>Server-Side Component: Schema, Query, Resolver</a:t>
             </a:r>
@@ -3741,43 +3750,9 @@
                 <a:solidFill>
                   <a:schemeClr val="tx1"/>
                 </a:solidFill>
-                <a:latin typeface="+mj-lt"/>
               </a:rPr>
-              <a:t>Client-Side Component: </a:t>
-            </a:r>
-            <a:r>
-              <a:rPr lang="en-US" altLang="zh-TW" sz="1800" b="1" dirty="0" err="1">
-                <a:solidFill>
-                  <a:schemeClr val="tx1"/>
-                </a:solidFill>
-                <a:latin typeface="+mj-lt"/>
-              </a:rPr>
-              <a:t>GraphiQL</a:t>
-            </a:r>
-            <a:r>
-              <a:rPr lang="en-US" altLang="zh-TW" sz="1800" b="1" dirty="0">
-                <a:solidFill>
-                  <a:schemeClr val="tx1"/>
-                </a:solidFill>
-                <a:latin typeface="+mj-lt"/>
-              </a:rPr>
-              <a:t>, </a:t>
-            </a:r>
-            <a:r>
-              <a:rPr lang="en-US" altLang="zh-TW" sz="1800" b="1" dirty="0" err="1">
-                <a:solidFill>
-                  <a:schemeClr val="tx1"/>
-                </a:solidFill>
-                <a:latin typeface="+mj-lt"/>
-              </a:rPr>
-              <a:t>ApploCLient</a:t>
-            </a:r>
-            <a:endParaRPr lang="en-US" altLang="zh-TW" sz="1800" b="1" dirty="0">
-              <a:solidFill>
-                <a:schemeClr val="tx1"/>
-              </a:solidFill>
-              <a:latin typeface="+mj-lt"/>
-            </a:endParaRPr>
+              <a:t>Client-Side Component: GraphiQL, Apollo Client</a:t>
+            </a:r>
           </a:p>
           <a:p>
             <a:pPr marL="800100" lvl="1" indent="-342900" algn="l">
@@ -3792,7 +3767,6 @@
               <a:solidFill>
                 <a:schemeClr val="tx1"/>
               </a:solidFill>
-              <a:latin typeface="+mj-lt"/>
             </a:endParaRPr>
           </a:p>
         </p:txBody>
@@ -3879,7 +3853,7 @@
             <a:fld id="{A4F910E6-8D00-4BAF-8C48-9688E0B449D3}" type="datetime1">
               <a:rPr lang="zh-TW" altLang="en-US" smtClean="0"/>
               <a:pPr/>
-              <a:t>2020/3/23</a:t>
+              <a:t>2020/10/6</a:t>
             </a:fld>
             <a:endParaRPr lang="zh-TW" altLang="en-US"/>
           </a:p>
@@ -3936,7 +3910,7 @@
         </p:blipFill>
         <p:spPr>
           <a:xfrm>
-            <a:off x="1714500" y="2686200"/>
+            <a:off x="1714500" y="2867255"/>
             <a:ext cx="5715000" cy="2085975"/>
           </a:xfrm>
           <a:prstGeom prst="rect">
@@ -3989,6 +3963,292 @@
             <a:off x="0" y="2130425"/>
             <a:ext cx="9144000" cy="1470025"/>
           </a:xfrm>
+          <a:solidFill>
+            <a:srgbClr val="00B0F0"/>
+          </a:solidFill>
+        </p:spPr>
+        <p:txBody>
+          <a:bodyPr>
+            <a:normAutofit/>
+          </a:bodyPr>
+          <a:lstStyle/>
+          <a:p>
+            <a:r>
+              <a:rPr lang="en-US" altLang="zh-TW" sz="4800" b="1" dirty="0">
+                <a:solidFill>
+                  <a:srgbClr val="FFFF00"/>
+                </a:solidFill>
+              </a:rPr>
+              <a:t>5.1 Server-Side Components</a:t>
+            </a:r>
+            <a:endParaRPr lang="zh-TW" altLang="en-US" sz="4800" b="1" dirty="0">
+              <a:solidFill>
+                <a:srgbClr val="FFFF00"/>
+              </a:solidFill>
+            </a:endParaRPr>
+          </a:p>
+        </p:txBody>
+      </p:sp>
+      <p:sp>
+        <p:nvSpPr>
+          <p:cNvPr id="5" name="日期版面配置區 4"/>
+          <p:cNvSpPr>
+            <a:spLocks noGrp="1"/>
+          </p:cNvSpPr>
+          <p:nvPr>
+            <p:ph type="dt" sz="half" idx="10"/>
+          </p:nvPr>
+        </p:nvSpPr>
+        <p:spPr/>
+        <p:txBody>
+          <a:bodyPr/>
+          <a:lstStyle/>
+          <a:p>
+            <a:fld id="{C389EDC9-19E3-47AC-9C57-C6A24DEA81AD}" type="datetime1">
+              <a:rPr lang="zh-TW" altLang="en-US" smtClean="0"/>
+              <a:pPr/>
+              <a:t>2020/10/6</a:t>
+            </a:fld>
+            <a:endParaRPr lang="zh-TW" altLang="en-US"/>
+          </a:p>
+        </p:txBody>
+      </p:sp>
+      <p:sp>
+        <p:nvSpPr>
+          <p:cNvPr id="6" name="投影片編號版面配置區 5"/>
+          <p:cNvSpPr>
+            <a:spLocks noGrp="1"/>
+          </p:cNvSpPr>
+          <p:nvPr>
+            <p:ph type="sldNum" sz="quarter" idx="12"/>
+          </p:nvPr>
+        </p:nvSpPr>
+        <p:spPr/>
+        <p:txBody>
+          <a:bodyPr/>
+          <a:lstStyle/>
+          <a:p>
+            <a:fld id="{E4D7E63D-91F2-4366-A2C4-1B00C9E2590E}" type="slidenum">
+              <a:rPr lang="zh-TW" altLang="en-US" smtClean="0"/>
+              <a:pPr/>
+              <a:t>3</a:t>
+            </a:fld>
+            <a:endParaRPr lang="zh-TW" altLang="en-US"/>
+          </a:p>
+        </p:txBody>
+      </p:sp>
+      <p:pic>
+        <p:nvPicPr>
+          <p:cNvPr id="4" name="Picture 3">
+            <a:extLst>
+              <a:ext uri="{FF2B5EF4-FFF2-40B4-BE49-F238E27FC236}">
+                <a16:creationId xmlns:a16="http://schemas.microsoft.com/office/drawing/2014/main" id="{1DAA86DC-1C5B-4F2C-B64A-CA9753905B48}"/>
+              </a:ext>
+            </a:extLst>
+          </p:cNvPr>
+          <p:cNvPicPr>
+            <a:picLocks noChangeAspect="1"/>
+          </p:cNvPicPr>
+          <p:nvPr/>
+        </p:nvPicPr>
+        <p:blipFill>
+          <a:blip r:embed="rId2"/>
+          <a:stretch>
+            <a:fillRect/>
+          </a:stretch>
+        </p:blipFill>
+        <p:spPr>
+          <a:xfrm>
+            <a:off x="4211961" y="3766415"/>
+            <a:ext cx="648072" cy="718771"/>
+          </a:xfrm>
+          <a:prstGeom prst="rect">
+            <a:avLst/>
+          </a:prstGeom>
+        </p:spPr>
+      </p:pic>
+    </p:spTree>
+    <p:extLst>
+      <p:ext uri="{BB962C8B-B14F-4D97-AF65-F5344CB8AC3E}">
+        <p14:creationId xmlns:p14="http://schemas.microsoft.com/office/powerpoint/2010/main" val="3682108815"/>
+      </p:ext>
+    </p:extLst>
+  </p:cSld>
+  <p:clrMapOvr>
+    <a:masterClrMapping/>
+  </p:clrMapOvr>
+</p:sld>
+</file>
+
+<file path=ppt/slides/slide4.xml><?xml version="1.0" encoding="utf-8"?>
+<p:sld xmlns:a="http://schemas.openxmlformats.org/drawingml/2006/main" xmlns:r="http://schemas.openxmlformats.org/officeDocument/2006/relationships" xmlns:p="http://schemas.openxmlformats.org/presentationml/2006/main">
+  <p:cSld>
+    <p:spTree>
+      <p:nvGrpSpPr>
+        <p:cNvPr id="1" name=""/>
+        <p:cNvGrpSpPr/>
+        <p:nvPr/>
+      </p:nvGrpSpPr>
+      <p:grpSpPr>
+        <a:xfrm>
+          <a:off x="0" y="0"/>
+          <a:ext cx="0" cy="0"/>
+          <a:chOff x="0" y="0"/>
+          <a:chExt cx="0" cy="0"/>
+        </a:xfrm>
+      </p:grpSpPr>
+      <p:sp>
+        <p:nvSpPr>
+          <p:cNvPr id="2" name="標題 1"/>
+          <p:cNvSpPr>
+            <a:spLocks noGrp="1"/>
+          </p:cNvSpPr>
+          <p:nvPr>
+            <p:ph type="ctrTitle"/>
+          </p:nvPr>
+        </p:nvSpPr>
+        <p:spPr>
+          <a:xfrm>
+            <a:off x="0" y="1"/>
+            <a:ext cx="9144000" cy="764704"/>
+          </a:xfrm>
+          <a:gradFill flip="none" rotWithShape="1">
+            <a:gsLst>
+              <a:gs pos="0">
+                <a:srgbClr val="C00000">
+                  <a:shade val="30000"/>
+                  <a:satMod val="115000"/>
+                </a:srgbClr>
+              </a:gs>
+              <a:gs pos="50000">
+                <a:srgbClr val="C00000">
+                  <a:shade val="67500"/>
+                  <a:satMod val="115000"/>
+                </a:srgbClr>
+              </a:gs>
+              <a:gs pos="100000">
+                <a:srgbClr val="C00000">
+                  <a:shade val="100000"/>
+                  <a:satMod val="115000"/>
+                </a:srgbClr>
+              </a:gs>
+            </a:gsLst>
+            <a:path path="circle">
+              <a:fillToRect t="100000" r="100000"/>
+            </a:path>
+            <a:tileRect l="-100000" b="-100000"/>
+          </a:gradFill>
+        </p:spPr>
+        <p:txBody>
+          <a:bodyPr>
+            <a:normAutofit/>
+          </a:bodyPr>
+          <a:lstStyle/>
+          <a:p>
+            <a:pPr algn="l"/>
+            <a:r>
+              <a:rPr lang="en-US" altLang="zh-TW" b="1" dirty="0">
+                <a:solidFill>
+                  <a:srgbClr val="FFFF00"/>
+                </a:solidFill>
+              </a:rPr>
+              <a:t>5 Application Components</a:t>
+            </a:r>
+            <a:endParaRPr lang="zh-TW" altLang="en-US" b="1" dirty="0">
+              <a:solidFill>
+                <a:srgbClr val="FFFF00"/>
+              </a:solidFill>
+            </a:endParaRPr>
+          </a:p>
+        </p:txBody>
+      </p:sp>
+      <p:sp>
+        <p:nvSpPr>
+          <p:cNvPr id="3" name="副標題 2"/>
+          <p:cNvSpPr>
+            <a:spLocks noGrp="1"/>
+          </p:cNvSpPr>
+          <p:nvPr>
+            <p:ph type="subTitle" idx="1"/>
+          </p:nvPr>
+        </p:nvSpPr>
+        <p:spPr>
+          <a:xfrm>
+            <a:off x="467544" y="1340769"/>
+            <a:ext cx="8352928" cy="1296144"/>
+          </a:xfrm>
+          <a:ln>
+            <a:solidFill>
+              <a:srgbClr val="C00000"/>
+            </a:solidFill>
+          </a:ln>
+        </p:spPr>
+        <p:txBody>
+          <a:bodyPr>
+            <a:noAutofit/>
+          </a:bodyPr>
+          <a:lstStyle/>
+          <a:p>
+            <a:pPr marL="342900" indent="-342900" algn="l">
+              <a:buClr>
+                <a:srgbClr val="0070C0"/>
+              </a:buClr>
+              <a:buSzPct val="80000"/>
+              <a:buFont typeface="Wingdings" pitchFamily="2" charset="2"/>
+              <a:buChar char="u"/>
+            </a:pPr>
+            <a:r>
+              <a:rPr lang="en-US" sz="1800" b="1" i="0" dirty="0">
+                <a:solidFill>
+                  <a:srgbClr val="000000"/>
+                </a:solidFill>
+                <a:effectLst/>
+              </a:rPr>
+              <a:t>GraphQL server forms the core component on the server side and allows to parse the queries coming from GraphQL client applications. </a:t>
+            </a:r>
+          </a:p>
+          <a:p>
+            <a:pPr marL="342900" indent="-342900" algn="l">
+              <a:buClr>
+                <a:srgbClr val="0070C0"/>
+              </a:buClr>
+              <a:buSzPct val="80000"/>
+              <a:buFont typeface="Wingdings" pitchFamily="2" charset="2"/>
+              <a:buChar char="u"/>
+            </a:pPr>
+            <a:r>
+              <a:rPr lang="en-US" sz="1800" b="1" i="0" dirty="0">
+                <a:solidFill>
+                  <a:srgbClr val="000000"/>
+                </a:solidFill>
+                <a:effectLst/>
+              </a:rPr>
+              <a:t>Apollo Server is most commonly used implementation of GraphQL specification. Other server programming components include the following</a:t>
+            </a:r>
+            <a:endParaRPr lang="en-US" altLang="zh-TW" sz="1800" b="1" dirty="0">
+              <a:solidFill>
+                <a:schemeClr val="tx1"/>
+              </a:solidFill>
+            </a:endParaRPr>
+          </a:p>
+        </p:txBody>
+      </p:sp>
+      <p:sp>
+        <p:nvSpPr>
+          <p:cNvPr id="4" name="標題 1"/>
+          <p:cNvSpPr txBox="1">
+            <a:spLocks/>
+          </p:cNvSpPr>
+          <p:nvPr/>
+        </p:nvSpPr>
+        <p:spPr>
+          <a:xfrm>
+            <a:off x="0" y="764704"/>
+            <a:ext cx="9144000" cy="398616"/>
+          </a:xfrm>
+          <a:prstGeom prst="rect">
+            <a:avLst/>
+          </a:prstGeom>
           <a:gradFill flip="none" rotWithShape="1">
             <a:gsLst>
               <a:gs pos="0">
@@ -4017,6 +4277,1483 @@
           </a:gradFill>
         </p:spPr>
         <p:txBody>
+          <a:bodyPr vert="horz" lIns="91440" tIns="45720" rIns="91440" bIns="45720" rtlCol="0" anchor="ctr">
+            <a:normAutofit/>
+          </a:bodyPr>
+          <a:lstStyle/>
+          <a:p>
+            <a:r>
+              <a:rPr lang="en-US" sz="1600" dirty="0">
+                <a:hlinkClick r:id="rId2"/>
+              </a:rPr>
+              <a:t>https://www.tutorialspoint.com/graphql/graphql_environment_setup.htm</a:t>
+            </a:r>
+            <a:endParaRPr lang="en-US" altLang="zh-TW" sz="1600" b="1" i="1" dirty="0"/>
+          </a:p>
+        </p:txBody>
+      </p:sp>
+      <p:sp>
+        <p:nvSpPr>
+          <p:cNvPr id="5" name="日期版面配置區 4"/>
+          <p:cNvSpPr>
+            <a:spLocks noGrp="1"/>
+          </p:cNvSpPr>
+          <p:nvPr>
+            <p:ph type="dt" sz="half" idx="10"/>
+          </p:nvPr>
+        </p:nvSpPr>
+        <p:spPr>
+          <a:xfrm>
+            <a:off x="457200" y="6356350"/>
+            <a:ext cx="2133600" cy="404246"/>
+          </a:xfrm>
+        </p:spPr>
+        <p:txBody>
+          <a:bodyPr/>
+          <a:lstStyle/>
+          <a:p>
+            <a:fld id="{A4F910E6-8D00-4BAF-8C48-9688E0B449D3}" type="datetime1">
+              <a:rPr lang="zh-TW" altLang="en-US" smtClean="0"/>
+              <a:pPr/>
+              <a:t>2020/10/6</a:t>
+            </a:fld>
+            <a:endParaRPr lang="zh-TW" altLang="en-US"/>
+          </a:p>
+        </p:txBody>
+      </p:sp>
+      <p:sp>
+        <p:nvSpPr>
+          <p:cNvPr id="6" name="投影片編號版面配置區 5"/>
+          <p:cNvSpPr>
+            <a:spLocks noGrp="1"/>
+          </p:cNvSpPr>
+          <p:nvPr>
+            <p:ph type="sldNum" sz="quarter" idx="12"/>
+          </p:nvPr>
+        </p:nvSpPr>
+        <p:spPr>
+          <a:xfrm>
+            <a:off x="6553200" y="6356350"/>
+            <a:ext cx="2133600" cy="404246"/>
+          </a:xfrm>
+        </p:spPr>
+        <p:txBody>
+          <a:bodyPr/>
+          <a:lstStyle/>
+          <a:p>
+            <a:fld id="{E4D7E63D-91F2-4366-A2C4-1B00C9E2590E}" type="slidenum">
+              <a:rPr lang="zh-TW" altLang="en-US" smtClean="0"/>
+              <a:pPr/>
+              <a:t>4</a:t>
+            </a:fld>
+            <a:endParaRPr lang="zh-TW" altLang="en-US"/>
+          </a:p>
+        </p:txBody>
+      </p:sp>
+      <p:graphicFrame>
+        <p:nvGraphicFramePr>
+          <p:cNvPr id="8" name="Table 8">
+            <a:extLst>
+              <a:ext uri="{FF2B5EF4-FFF2-40B4-BE49-F238E27FC236}">
+                <a16:creationId xmlns:a16="http://schemas.microsoft.com/office/drawing/2014/main" id="{57ECA92A-4843-47B5-9479-54E60CD32570}"/>
+              </a:ext>
+            </a:extLst>
+          </p:cNvPr>
+          <p:cNvGraphicFramePr>
+            <a:graphicFrameLocks noGrp="1"/>
+          </p:cNvGraphicFramePr>
+          <p:nvPr>
+            <p:extLst>
+              <p:ext uri="{D42A27DB-BD31-4B8C-83A1-F6EECF244321}">
+                <p14:modId xmlns:p14="http://schemas.microsoft.com/office/powerpoint/2010/main" val="3902208948"/>
+              </p:ext>
+            </p:extLst>
+          </p:nvPr>
+        </p:nvGraphicFramePr>
+        <p:xfrm>
+          <a:off x="457200" y="2729902"/>
+          <a:ext cx="8241011" cy="3352800"/>
+        </p:xfrm>
+        <a:graphic>
+          <a:graphicData uri="http://schemas.openxmlformats.org/drawingml/2006/table">
+            <a:tbl>
+              <a:tblPr firstRow="1" bandRow="1">
+                <a:tableStyleId>{5C22544A-7EE6-4342-B048-85BDC9FD1C3A}</a:tableStyleId>
+              </a:tblPr>
+              <a:tblGrid>
+                <a:gridCol w="477838">
+                  <a:extLst>
+                    <a:ext uri="{9D8B030D-6E8A-4147-A177-3AD203B41FA5}">
+                      <a16:colId xmlns:a16="http://schemas.microsoft.com/office/drawing/2014/main" val="2998848683"/>
+                    </a:ext>
+                  </a:extLst>
+                </a:gridCol>
+                <a:gridCol w="7763173">
+                  <a:extLst>
+                    <a:ext uri="{9D8B030D-6E8A-4147-A177-3AD203B41FA5}">
+                      <a16:colId xmlns:a16="http://schemas.microsoft.com/office/drawing/2014/main" val="3694498281"/>
+                    </a:ext>
+                  </a:extLst>
+                </a:gridCol>
+              </a:tblGrid>
+              <a:tr h="370840">
+                <a:tc>
+                  <a:txBody>
+                    <a:bodyPr/>
+                    <a:lstStyle/>
+                    <a:p>
+                      <a:pPr algn="l" fontAlgn="t"/>
+                      <a:r>
+                        <a:rPr lang="en-US" dirty="0">
+                          <a:effectLst/>
+                        </a:rPr>
+                        <a:t>No</a:t>
+                      </a:r>
+                    </a:p>
+                  </a:txBody>
+                  <a:tcPr marL="76200" marR="76200" marT="76200" marB="76200"/>
+                </a:tc>
+                <a:tc>
+                  <a:txBody>
+                    <a:bodyPr/>
+                    <a:lstStyle/>
+                    <a:p>
+                      <a:pPr algn="l" fontAlgn="t"/>
+                      <a:r>
+                        <a:rPr lang="en-US" dirty="0">
+                          <a:effectLst/>
+                        </a:rPr>
+                        <a:t>Server Essentials &amp; Description</a:t>
+                      </a:r>
+                    </a:p>
+                  </a:txBody>
+                  <a:tcPr marL="76200" marR="76200" marT="76200" marB="76200"/>
+                </a:tc>
+                <a:extLst>
+                  <a:ext uri="{0D108BD9-81ED-4DB2-BD59-A6C34878D82A}">
+                    <a16:rowId xmlns:a16="http://schemas.microsoft.com/office/drawing/2014/main" val="2836869504"/>
+                  </a:ext>
+                </a:extLst>
+              </a:tr>
+              <a:tr h="370840">
+                <a:tc>
+                  <a:txBody>
+                    <a:bodyPr/>
+                    <a:lstStyle/>
+                    <a:p>
+                      <a:pPr algn="l" fontAlgn="t"/>
+                      <a:r>
+                        <a:rPr lang="en-US">
+                          <a:effectLst/>
+                        </a:rPr>
+                        <a:t>1</a:t>
+                      </a:r>
+                    </a:p>
+                  </a:txBody>
+                  <a:tcPr marL="76200" marR="76200" marT="76200" marB="76200"/>
+                </a:tc>
+                <a:tc>
+                  <a:txBody>
+                    <a:bodyPr/>
+                    <a:lstStyle/>
+                    <a:p>
+                      <a:pPr algn="l" fontAlgn="t"/>
+                      <a:r>
+                        <a:rPr lang="en-US" b="1" dirty="0">
+                          <a:solidFill>
+                            <a:srgbClr val="000000"/>
+                          </a:solidFill>
+                          <a:effectLst/>
+                        </a:rPr>
+                        <a:t>Schema</a:t>
+                      </a:r>
+                      <a:endParaRPr lang="en-US" dirty="0">
+                        <a:solidFill>
+                          <a:srgbClr val="000000"/>
+                        </a:solidFill>
+                        <a:effectLst/>
+                      </a:endParaRPr>
+                    </a:p>
+                    <a:p>
+                      <a:pPr algn="l" fontAlgn="t"/>
+                      <a:r>
+                        <a:rPr lang="en-US" dirty="0">
+                          <a:solidFill>
+                            <a:srgbClr val="000000"/>
+                          </a:solidFill>
+                          <a:effectLst/>
+                        </a:rPr>
+                        <a:t>A GraphQL schema is at the center of any GraphQL server implementation and describes the functionality available to the clients which connect to it.</a:t>
+                      </a:r>
+                    </a:p>
+                  </a:txBody>
+                  <a:tcPr marL="76200" marR="76200" marT="76200" marB="76200"/>
+                </a:tc>
+                <a:extLst>
+                  <a:ext uri="{0D108BD9-81ED-4DB2-BD59-A6C34878D82A}">
+                    <a16:rowId xmlns:a16="http://schemas.microsoft.com/office/drawing/2014/main" val="1284709255"/>
+                  </a:ext>
+                </a:extLst>
+              </a:tr>
+              <a:tr h="370840">
+                <a:tc>
+                  <a:txBody>
+                    <a:bodyPr/>
+                    <a:lstStyle/>
+                    <a:p>
+                      <a:pPr algn="l" fontAlgn="t"/>
+                      <a:r>
+                        <a:rPr lang="en-US">
+                          <a:effectLst/>
+                        </a:rPr>
+                        <a:t>2</a:t>
+                      </a:r>
+                    </a:p>
+                  </a:txBody>
+                  <a:tcPr marL="76200" marR="76200" marT="76200" marB="76200"/>
+                </a:tc>
+                <a:tc>
+                  <a:txBody>
+                    <a:bodyPr/>
+                    <a:lstStyle/>
+                    <a:p>
+                      <a:pPr algn="l" fontAlgn="t"/>
+                      <a:r>
+                        <a:rPr lang="en-US" b="1" dirty="0">
+                          <a:solidFill>
+                            <a:srgbClr val="000000"/>
+                          </a:solidFill>
+                          <a:effectLst/>
+                        </a:rPr>
+                        <a:t>Query</a:t>
+                      </a:r>
+                      <a:endParaRPr lang="en-US" dirty="0">
+                        <a:solidFill>
+                          <a:srgbClr val="000000"/>
+                        </a:solidFill>
+                        <a:effectLst/>
+                      </a:endParaRPr>
+                    </a:p>
+                    <a:p>
+                      <a:pPr algn="l" fontAlgn="t"/>
+                      <a:r>
+                        <a:rPr lang="en-US" dirty="0">
+                          <a:solidFill>
+                            <a:srgbClr val="000000"/>
+                          </a:solidFill>
+                          <a:effectLst/>
+                        </a:rPr>
+                        <a:t>A GraphQL query is the client application request to retrieve data from database or legacy API's.</a:t>
+                      </a:r>
+                    </a:p>
+                  </a:txBody>
+                  <a:tcPr marL="76200" marR="76200" marT="76200" marB="76200"/>
+                </a:tc>
+                <a:extLst>
+                  <a:ext uri="{0D108BD9-81ED-4DB2-BD59-A6C34878D82A}">
+                    <a16:rowId xmlns:a16="http://schemas.microsoft.com/office/drawing/2014/main" val="2294139640"/>
+                  </a:ext>
+                </a:extLst>
+              </a:tr>
+              <a:tr h="370840">
+                <a:tc>
+                  <a:txBody>
+                    <a:bodyPr/>
+                    <a:lstStyle/>
+                    <a:p>
+                      <a:pPr algn="l" fontAlgn="t"/>
+                      <a:r>
+                        <a:rPr lang="en-US">
+                          <a:effectLst/>
+                        </a:rPr>
+                        <a:t>3</a:t>
+                      </a:r>
+                    </a:p>
+                  </a:txBody>
+                  <a:tcPr marL="76200" marR="76200" marT="76200" marB="76200"/>
+                </a:tc>
+                <a:tc>
+                  <a:txBody>
+                    <a:bodyPr/>
+                    <a:lstStyle/>
+                    <a:p>
+                      <a:pPr algn="l" fontAlgn="t"/>
+                      <a:r>
+                        <a:rPr lang="en-US" b="1" dirty="0">
+                          <a:solidFill>
+                            <a:srgbClr val="000000"/>
+                          </a:solidFill>
+                          <a:effectLst/>
+                        </a:rPr>
+                        <a:t>Resolver</a:t>
+                      </a:r>
+                      <a:endParaRPr lang="en-US" dirty="0">
+                        <a:solidFill>
+                          <a:srgbClr val="000000"/>
+                        </a:solidFill>
+                        <a:effectLst/>
+                      </a:endParaRPr>
+                    </a:p>
+                    <a:p>
+                      <a:pPr algn="l" fontAlgn="t"/>
+                      <a:r>
+                        <a:rPr lang="en-US" dirty="0">
+                          <a:solidFill>
+                            <a:srgbClr val="000000"/>
+                          </a:solidFill>
+                          <a:effectLst/>
+                        </a:rPr>
+                        <a:t>Resolvers provide the instructions for turning a GraphQL operation into data. They resolve the query to data by defining resolver functions.</a:t>
+                      </a:r>
+                    </a:p>
+                  </a:txBody>
+                  <a:tcPr marL="76200" marR="76200" marT="76200" marB="76200"/>
+                </a:tc>
+                <a:extLst>
+                  <a:ext uri="{0D108BD9-81ED-4DB2-BD59-A6C34878D82A}">
+                    <a16:rowId xmlns:a16="http://schemas.microsoft.com/office/drawing/2014/main" val="2213006443"/>
+                  </a:ext>
+                </a:extLst>
+              </a:tr>
+            </a:tbl>
+          </a:graphicData>
+        </a:graphic>
+      </p:graphicFrame>
+    </p:spTree>
+    <p:extLst>
+      <p:ext uri="{BB962C8B-B14F-4D97-AF65-F5344CB8AC3E}">
+        <p14:creationId xmlns:p14="http://schemas.microsoft.com/office/powerpoint/2010/main" val="2781593816"/>
+      </p:ext>
+    </p:extLst>
+  </p:cSld>
+  <p:clrMapOvr>
+    <a:masterClrMapping/>
+  </p:clrMapOvr>
+</p:sld>
+</file>
+
+<file path=ppt/slides/slide5.xml><?xml version="1.0" encoding="utf-8"?>
+<p:sld xmlns:a="http://schemas.openxmlformats.org/drawingml/2006/main" xmlns:r="http://schemas.openxmlformats.org/officeDocument/2006/relationships" xmlns:p="http://schemas.openxmlformats.org/presentationml/2006/main">
+  <p:cSld>
+    <p:spTree>
+      <p:nvGrpSpPr>
+        <p:cNvPr id="1" name=""/>
+        <p:cNvGrpSpPr/>
+        <p:nvPr/>
+      </p:nvGrpSpPr>
+      <p:grpSpPr>
+        <a:xfrm>
+          <a:off x="0" y="0"/>
+          <a:ext cx="0" cy="0"/>
+          <a:chOff x="0" y="0"/>
+          <a:chExt cx="0" cy="0"/>
+        </a:xfrm>
+      </p:grpSpPr>
+      <p:sp>
+        <p:nvSpPr>
+          <p:cNvPr id="2" name="標題 1"/>
+          <p:cNvSpPr>
+            <a:spLocks noGrp="1"/>
+          </p:cNvSpPr>
+          <p:nvPr>
+            <p:ph type="ctrTitle"/>
+          </p:nvPr>
+        </p:nvSpPr>
+        <p:spPr>
+          <a:xfrm>
+            <a:off x="0" y="2130425"/>
+            <a:ext cx="9144000" cy="1470025"/>
+          </a:xfrm>
+          <a:solidFill>
+            <a:srgbClr val="00B0F0"/>
+          </a:solidFill>
+        </p:spPr>
+        <p:txBody>
+          <a:bodyPr>
+            <a:normAutofit/>
+          </a:bodyPr>
+          <a:lstStyle/>
+          <a:p>
+            <a:r>
+              <a:rPr lang="en-US" altLang="zh-TW" sz="4800" b="1" dirty="0">
+                <a:solidFill>
+                  <a:srgbClr val="FFFF00"/>
+                </a:solidFill>
+              </a:rPr>
+              <a:t>5.2 Client-Side Components</a:t>
+            </a:r>
+            <a:endParaRPr lang="zh-TW" altLang="en-US" sz="4800" b="1" dirty="0">
+              <a:solidFill>
+                <a:srgbClr val="FFFF00"/>
+              </a:solidFill>
+            </a:endParaRPr>
+          </a:p>
+        </p:txBody>
+      </p:sp>
+      <p:sp>
+        <p:nvSpPr>
+          <p:cNvPr id="5" name="日期版面配置區 4"/>
+          <p:cNvSpPr>
+            <a:spLocks noGrp="1"/>
+          </p:cNvSpPr>
+          <p:nvPr>
+            <p:ph type="dt" sz="half" idx="10"/>
+          </p:nvPr>
+        </p:nvSpPr>
+        <p:spPr/>
+        <p:txBody>
+          <a:bodyPr/>
+          <a:lstStyle/>
+          <a:p>
+            <a:fld id="{C389EDC9-19E3-47AC-9C57-C6A24DEA81AD}" type="datetime1">
+              <a:rPr lang="zh-TW" altLang="en-US" smtClean="0"/>
+              <a:pPr/>
+              <a:t>2020/10/6</a:t>
+            </a:fld>
+            <a:endParaRPr lang="zh-TW" altLang="en-US"/>
+          </a:p>
+        </p:txBody>
+      </p:sp>
+      <p:sp>
+        <p:nvSpPr>
+          <p:cNvPr id="6" name="投影片編號版面配置區 5"/>
+          <p:cNvSpPr>
+            <a:spLocks noGrp="1"/>
+          </p:cNvSpPr>
+          <p:nvPr>
+            <p:ph type="sldNum" sz="quarter" idx="12"/>
+          </p:nvPr>
+        </p:nvSpPr>
+        <p:spPr/>
+        <p:txBody>
+          <a:bodyPr/>
+          <a:lstStyle/>
+          <a:p>
+            <a:fld id="{E4D7E63D-91F2-4366-A2C4-1B00C9E2590E}" type="slidenum">
+              <a:rPr lang="zh-TW" altLang="en-US" smtClean="0"/>
+              <a:pPr/>
+              <a:t>5</a:t>
+            </a:fld>
+            <a:endParaRPr lang="zh-TW" altLang="en-US"/>
+          </a:p>
+        </p:txBody>
+      </p:sp>
+      <p:pic>
+        <p:nvPicPr>
+          <p:cNvPr id="4" name="Picture 3">
+            <a:extLst>
+              <a:ext uri="{FF2B5EF4-FFF2-40B4-BE49-F238E27FC236}">
+                <a16:creationId xmlns:a16="http://schemas.microsoft.com/office/drawing/2014/main" id="{1DAA86DC-1C5B-4F2C-B64A-CA9753905B48}"/>
+              </a:ext>
+            </a:extLst>
+          </p:cNvPr>
+          <p:cNvPicPr>
+            <a:picLocks noChangeAspect="1"/>
+          </p:cNvPicPr>
+          <p:nvPr/>
+        </p:nvPicPr>
+        <p:blipFill>
+          <a:blip r:embed="rId2"/>
+          <a:stretch>
+            <a:fillRect/>
+          </a:stretch>
+        </p:blipFill>
+        <p:spPr>
+          <a:xfrm>
+            <a:off x="4211961" y="3766415"/>
+            <a:ext cx="648072" cy="718771"/>
+          </a:xfrm>
+          <a:prstGeom prst="rect">
+            <a:avLst/>
+          </a:prstGeom>
+        </p:spPr>
+      </p:pic>
+    </p:spTree>
+    <p:extLst>
+      <p:ext uri="{BB962C8B-B14F-4D97-AF65-F5344CB8AC3E}">
+        <p14:creationId xmlns:p14="http://schemas.microsoft.com/office/powerpoint/2010/main" val="310543061"/>
+      </p:ext>
+    </p:extLst>
+  </p:cSld>
+  <p:clrMapOvr>
+    <a:masterClrMapping/>
+  </p:clrMapOvr>
+</p:sld>
+</file>
+
+<file path=ppt/slides/slide6.xml><?xml version="1.0" encoding="utf-8"?>
+<p:sld xmlns:a="http://schemas.openxmlformats.org/drawingml/2006/main" xmlns:r="http://schemas.openxmlformats.org/officeDocument/2006/relationships" xmlns:p="http://schemas.openxmlformats.org/presentationml/2006/main">
+  <p:cSld>
+    <p:spTree>
+      <p:nvGrpSpPr>
+        <p:cNvPr id="1" name=""/>
+        <p:cNvGrpSpPr/>
+        <p:nvPr/>
+      </p:nvGrpSpPr>
+      <p:grpSpPr>
+        <a:xfrm>
+          <a:off x="0" y="0"/>
+          <a:ext cx="0" cy="0"/>
+          <a:chOff x="0" y="0"/>
+          <a:chExt cx="0" cy="0"/>
+        </a:xfrm>
+      </p:grpSpPr>
+      <p:sp>
+        <p:nvSpPr>
+          <p:cNvPr id="2" name="標題 1"/>
+          <p:cNvSpPr>
+            <a:spLocks noGrp="1"/>
+          </p:cNvSpPr>
+          <p:nvPr>
+            <p:ph type="ctrTitle"/>
+          </p:nvPr>
+        </p:nvSpPr>
+        <p:spPr>
+          <a:xfrm>
+            <a:off x="0" y="1"/>
+            <a:ext cx="9144000" cy="764704"/>
+          </a:xfrm>
+          <a:gradFill flip="none" rotWithShape="1">
+            <a:gsLst>
+              <a:gs pos="0">
+                <a:srgbClr val="C00000">
+                  <a:shade val="30000"/>
+                  <a:satMod val="115000"/>
+                </a:srgbClr>
+              </a:gs>
+              <a:gs pos="50000">
+                <a:srgbClr val="C00000">
+                  <a:shade val="67500"/>
+                  <a:satMod val="115000"/>
+                </a:srgbClr>
+              </a:gs>
+              <a:gs pos="100000">
+                <a:srgbClr val="C00000">
+                  <a:shade val="100000"/>
+                  <a:satMod val="115000"/>
+                </a:srgbClr>
+              </a:gs>
+            </a:gsLst>
+            <a:path path="circle">
+              <a:fillToRect t="100000" r="100000"/>
+            </a:path>
+            <a:tileRect l="-100000" b="-100000"/>
+          </a:gradFill>
+        </p:spPr>
+        <p:txBody>
+          <a:bodyPr>
+            <a:normAutofit/>
+          </a:bodyPr>
+          <a:lstStyle/>
+          <a:p>
+            <a:pPr algn="l"/>
+            <a:r>
+              <a:rPr lang="en-US" altLang="zh-TW" b="1" dirty="0">
+                <a:solidFill>
+                  <a:srgbClr val="FFFF00"/>
+                </a:solidFill>
+              </a:rPr>
+              <a:t>5 Application Components</a:t>
+            </a:r>
+            <a:endParaRPr lang="zh-TW" altLang="en-US" b="1" dirty="0">
+              <a:solidFill>
+                <a:srgbClr val="FFFF00"/>
+              </a:solidFill>
+            </a:endParaRPr>
+          </a:p>
+        </p:txBody>
+      </p:sp>
+      <p:sp>
+        <p:nvSpPr>
+          <p:cNvPr id="3" name="副標題 2"/>
+          <p:cNvSpPr>
+            <a:spLocks noGrp="1"/>
+          </p:cNvSpPr>
+          <p:nvPr>
+            <p:ph type="subTitle" idx="1"/>
+          </p:nvPr>
+        </p:nvSpPr>
+        <p:spPr>
+          <a:xfrm>
+            <a:off x="467544" y="1340769"/>
+            <a:ext cx="8352928" cy="398616"/>
+          </a:xfrm>
+          <a:ln>
+            <a:solidFill>
+              <a:srgbClr val="C00000"/>
+            </a:solidFill>
+          </a:ln>
+        </p:spPr>
+        <p:txBody>
+          <a:bodyPr>
+            <a:noAutofit/>
+          </a:bodyPr>
+          <a:lstStyle/>
+          <a:p>
+            <a:pPr marL="342900" indent="-342900" algn="l">
+              <a:buClr>
+                <a:srgbClr val="0070C0"/>
+              </a:buClr>
+              <a:buSzPct val="80000"/>
+              <a:buFont typeface="Wingdings" pitchFamily="2" charset="2"/>
+              <a:buChar char="u"/>
+            </a:pPr>
+            <a:r>
+              <a:rPr lang="en-US" sz="1800" b="1" i="0" dirty="0">
+                <a:solidFill>
+                  <a:srgbClr val="000000"/>
+                </a:solidFill>
+                <a:effectLst/>
+              </a:rPr>
+              <a:t>Client-Side Components</a:t>
+            </a:r>
+          </a:p>
+        </p:txBody>
+      </p:sp>
+      <p:sp>
+        <p:nvSpPr>
+          <p:cNvPr id="4" name="標題 1"/>
+          <p:cNvSpPr txBox="1">
+            <a:spLocks/>
+          </p:cNvSpPr>
+          <p:nvPr/>
+        </p:nvSpPr>
+        <p:spPr>
+          <a:xfrm>
+            <a:off x="0" y="764704"/>
+            <a:ext cx="9144000" cy="398616"/>
+          </a:xfrm>
+          <a:prstGeom prst="rect">
+            <a:avLst/>
+          </a:prstGeom>
+          <a:gradFill flip="none" rotWithShape="1">
+            <a:gsLst>
+              <a:gs pos="0">
+                <a:srgbClr val="00B0F0">
+                  <a:shade val="30000"/>
+                  <a:satMod val="115000"/>
+                </a:srgbClr>
+              </a:gs>
+              <a:gs pos="50000">
+                <a:srgbClr val="00B0F0">
+                  <a:shade val="67500"/>
+                  <a:satMod val="115000"/>
+                </a:srgbClr>
+              </a:gs>
+              <a:gs pos="100000">
+                <a:srgbClr val="00B0F0">
+                  <a:shade val="100000"/>
+                  <a:satMod val="115000"/>
+                </a:srgbClr>
+              </a:gs>
+            </a:gsLst>
+            <a:path path="circle">
+              <a:fillToRect t="100000" r="100000"/>
+            </a:path>
+            <a:tileRect l="-100000" b="-100000"/>
+          </a:gradFill>
+        </p:spPr>
+        <p:txBody>
+          <a:bodyPr vert="horz" lIns="91440" tIns="45720" rIns="91440" bIns="45720" rtlCol="0" anchor="ctr">
+            <a:normAutofit/>
+          </a:bodyPr>
+          <a:lstStyle/>
+          <a:p>
+            <a:r>
+              <a:rPr lang="en-US" sz="1600" dirty="0">
+                <a:hlinkClick r:id="rId2"/>
+              </a:rPr>
+              <a:t>https://www.tutorialspoint.com/graphql/graphql_environment_setup.htm</a:t>
+            </a:r>
+            <a:endParaRPr lang="en-US" altLang="zh-TW" sz="1600" b="1" i="1" dirty="0"/>
+          </a:p>
+        </p:txBody>
+      </p:sp>
+      <p:sp>
+        <p:nvSpPr>
+          <p:cNvPr id="5" name="日期版面配置區 4"/>
+          <p:cNvSpPr>
+            <a:spLocks noGrp="1"/>
+          </p:cNvSpPr>
+          <p:nvPr>
+            <p:ph type="dt" sz="half" idx="10"/>
+          </p:nvPr>
+        </p:nvSpPr>
+        <p:spPr>
+          <a:xfrm>
+            <a:off x="457200" y="6356350"/>
+            <a:ext cx="2133600" cy="404246"/>
+          </a:xfrm>
+        </p:spPr>
+        <p:txBody>
+          <a:bodyPr/>
+          <a:lstStyle/>
+          <a:p>
+            <a:fld id="{A4F910E6-8D00-4BAF-8C48-9688E0B449D3}" type="datetime1">
+              <a:rPr lang="zh-TW" altLang="en-US" smtClean="0"/>
+              <a:pPr/>
+              <a:t>2020/10/6</a:t>
+            </a:fld>
+            <a:endParaRPr lang="zh-TW" altLang="en-US"/>
+          </a:p>
+        </p:txBody>
+      </p:sp>
+      <p:sp>
+        <p:nvSpPr>
+          <p:cNvPr id="6" name="投影片編號版面配置區 5"/>
+          <p:cNvSpPr>
+            <a:spLocks noGrp="1"/>
+          </p:cNvSpPr>
+          <p:nvPr>
+            <p:ph type="sldNum" sz="quarter" idx="12"/>
+          </p:nvPr>
+        </p:nvSpPr>
+        <p:spPr>
+          <a:xfrm>
+            <a:off x="6553200" y="6356350"/>
+            <a:ext cx="2133600" cy="404246"/>
+          </a:xfrm>
+        </p:spPr>
+        <p:txBody>
+          <a:bodyPr/>
+          <a:lstStyle/>
+          <a:p>
+            <a:fld id="{E4D7E63D-91F2-4366-A2C4-1B00C9E2590E}" type="slidenum">
+              <a:rPr lang="zh-TW" altLang="en-US" smtClean="0"/>
+              <a:pPr/>
+              <a:t>6</a:t>
+            </a:fld>
+            <a:endParaRPr lang="zh-TW" altLang="en-US"/>
+          </a:p>
+        </p:txBody>
+      </p:sp>
+      <p:graphicFrame>
+        <p:nvGraphicFramePr>
+          <p:cNvPr id="8" name="Table 8">
+            <a:extLst>
+              <a:ext uri="{FF2B5EF4-FFF2-40B4-BE49-F238E27FC236}">
+                <a16:creationId xmlns:a16="http://schemas.microsoft.com/office/drawing/2014/main" id="{57ECA92A-4843-47B5-9479-54E60CD32570}"/>
+              </a:ext>
+            </a:extLst>
+          </p:cNvPr>
+          <p:cNvGraphicFramePr>
+            <a:graphicFrameLocks noGrp="1"/>
+          </p:cNvGraphicFramePr>
+          <p:nvPr>
+            <p:extLst>
+              <p:ext uri="{D42A27DB-BD31-4B8C-83A1-F6EECF244321}">
+                <p14:modId xmlns:p14="http://schemas.microsoft.com/office/powerpoint/2010/main" val="3799549501"/>
+              </p:ext>
+            </p:extLst>
+          </p:nvPr>
+        </p:nvGraphicFramePr>
+        <p:xfrm>
+          <a:off x="544803" y="2132856"/>
+          <a:ext cx="8241011" cy="2103120"/>
+        </p:xfrm>
+        <a:graphic>
+          <a:graphicData uri="http://schemas.openxmlformats.org/drawingml/2006/table">
+            <a:tbl>
+              <a:tblPr firstRow="1" bandRow="1">
+                <a:tableStyleId>{5C22544A-7EE6-4342-B048-85BDC9FD1C3A}</a:tableStyleId>
+              </a:tblPr>
+              <a:tblGrid>
+                <a:gridCol w="477838">
+                  <a:extLst>
+                    <a:ext uri="{9D8B030D-6E8A-4147-A177-3AD203B41FA5}">
+                      <a16:colId xmlns:a16="http://schemas.microsoft.com/office/drawing/2014/main" val="2998848683"/>
+                    </a:ext>
+                  </a:extLst>
+                </a:gridCol>
+                <a:gridCol w="7763173">
+                  <a:extLst>
+                    <a:ext uri="{9D8B030D-6E8A-4147-A177-3AD203B41FA5}">
+                      <a16:colId xmlns:a16="http://schemas.microsoft.com/office/drawing/2014/main" val="3694498281"/>
+                    </a:ext>
+                  </a:extLst>
+                </a:gridCol>
+              </a:tblGrid>
+              <a:tr h="370840">
+                <a:tc>
+                  <a:txBody>
+                    <a:bodyPr/>
+                    <a:lstStyle/>
+                    <a:p>
+                      <a:pPr algn="l" fontAlgn="t"/>
+                      <a:r>
+                        <a:rPr lang="en-US" dirty="0">
+                          <a:effectLst/>
+                        </a:rPr>
+                        <a:t>No</a:t>
+                      </a:r>
+                    </a:p>
+                  </a:txBody>
+                  <a:tcPr marL="76200" marR="76200" marT="76200" marB="76200"/>
+                </a:tc>
+                <a:tc>
+                  <a:txBody>
+                    <a:bodyPr/>
+                    <a:lstStyle/>
+                    <a:p>
+                      <a:pPr algn="l" fontAlgn="t"/>
+                      <a:r>
+                        <a:rPr lang="en-US">
+                          <a:effectLst/>
+                        </a:rPr>
+                        <a:t>Tool &amp; Description</a:t>
+                      </a:r>
+                    </a:p>
+                  </a:txBody>
+                  <a:tcPr marL="76200" marR="76200" marT="76200" marB="76200"/>
+                </a:tc>
+                <a:extLst>
+                  <a:ext uri="{0D108BD9-81ED-4DB2-BD59-A6C34878D82A}">
+                    <a16:rowId xmlns:a16="http://schemas.microsoft.com/office/drawing/2014/main" val="2836869504"/>
+                  </a:ext>
+                </a:extLst>
+              </a:tr>
+              <a:tr h="370840">
+                <a:tc>
+                  <a:txBody>
+                    <a:bodyPr/>
+                    <a:lstStyle/>
+                    <a:p>
+                      <a:pPr algn="l" fontAlgn="t"/>
+                      <a:r>
+                        <a:rPr lang="en-US">
+                          <a:effectLst/>
+                        </a:rPr>
+                        <a:t>1</a:t>
+                      </a:r>
+                    </a:p>
+                  </a:txBody>
+                  <a:tcPr marL="76200" marR="76200" marT="76200" marB="76200"/>
+                </a:tc>
+                <a:tc>
+                  <a:txBody>
+                    <a:bodyPr/>
+                    <a:lstStyle/>
+                    <a:p>
+                      <a:pPr algn="l" fontAlgn="t"/>
+                      <a:r>
+                        <a:rPr lang="en-US" b="1" dirty="0">
+                          <a:solidFill>
+                            <a:srgbClr val="000000"/>
+                          </a:solidFill>
+                          <a:effectLst/>
+                        </a:rPr>
+                        <a:t>GraphiQL</a:t>
+                      </a:r>
+                      <a:endParaRPr lang="en-US" dirty="0">
+                        <a:solidFill>
+                          <a:srgbClr val="000000"/>
+                        </a:solidFill>
+                        <a:effectLst/>
+                      </a:endParaRPr>
+                    </a:p>
+                    <a:p>
+                      <a:pPr algn="l" fontAlgn="t"/>
+                      <a:r>
+                        <a:rPr lang="en-US" dirty="0">
+                          <a:solidFill>
+                            <a:srgbClr val="000000"/>
+                          </a:solidFill>
+                          <a:effectLst/>
+                        </a:rPr>
+                        <a:t>Browser based interface for editing and testing GraphQL queries and mutations.</a:t>
+                      </a:r>
+                    </a:p>
+                  </a:txBody>
+                  <a:tcPr marL="76200" marR="76200" marT="76200" marB="76200"/>
+                </a:tc>
+                <a:extLst>
+                  <a:ext uri="{0D108BD9-81ED-4DB2-BD59-A6C34878D82A}">
+                    <a16:rowId xmlns:a16="http://schemas.microsoft.com/office/drawing/2014/main" val="1284709255"/>
+                  </a:ext>
+                </a:extLst>
+              </a:tr>
+              <a:tr h="370840">
+                <a:tc>
+                  <a:txBody>
+                    <a:bodyPr/>
+                    <a:lstStyle/>
+                    <a:p>
+                      <a:pPr algn="l" fontAlgn="t"/>
+                      <a:r>
+                        <a:rPr lang="en-US">
+                          <a:effectLst/>
+                        </a:rPr>
+                        <a:t>2</a:t>
+                      </a:r>
+                    </a:p>
+                  </a:txBody>
+                  <a:tcPr marL="76200" marR="76200" marT="76200" marB="76200"/>
+                </a:tc>
+                <a:tc>
+                  <a:txBody>
+                    <a:bodyPr/>
+                    <a:lstStyle/>
+                    <a:p>
+                      <a:pPr algn="l" fontAlgn="t"/>
+                      <a:r>
+                        <a:rPr lang="en-US" b="1" dirty="0">
+                          <a:solidFill>
+                            <a:srgbClr val="000000"/>
+                          </a:solidFill>
+                          <a:effectLst/>
+                        </a:rPr>
+                        <a:t>ApolloClient</a:t>
+                      </a:r>
+                      <a:endParaRPr lang="en-US" dirty="0">
+                        <a:solidFill>
+                          <a:srgbClr val="000000"/>
+                        </a:solidFill>
+                        <a:effectLst/>
+                      </a:endParaRPr>
+                    </a:p>
+                    <a:p>
+                      <a:pPr algn="l" fontAlgn="t"/>
+                      <a:r>
+                        <a:rPr lang="en-US" dirty="0">
+                          <a:solidFill>
+                            <a:srgbClr val="000000"/>
+                          </a:solidFill>
+                          <a:effectLst/>
+                        </a:rPr>
+                        <a:t>Best tool to build GraphQL client applications. </a:t>
+                      </a:r>
+                    </a:p>
+                    <a:p>
+                      <a:pPr algn="l" fontAlgn="t"/>
+                      <a:r>
+                        <a:rPr lang="en-US" dirty="0">
+                          <a:solidFill>
+                            <a:srgbClr val="000000"/>
+                          </a:solidFill>
+                          <a:effectLst/>
+                        </a:rPr>
+                        <a:t>Integrates well with all JavaScript front-end.</a:t>
+                      </a:r>
+                    </a:p>
+                  </a:txBody>
+                  <a:tcPr marL="76200" marR="76200" marT="76200" marB="76200"/>
+                </a:tc>
+                <a:extLst>
+                  <a:ext uri="{0D108BD9-81ED-4DB2-BD59-A6C34878D82A}">
+                    <a16:rowId xmlns:a16="http://schemas.microsoft.com/office/drawing/2014/main" val="2294139640"/>
+                  </a:ext>
+                </a:extLst>
+              </a:tr>
+            </a:tbl>
+          </a:graphicData>
+        </a:graphic>
+      </p:graphicFrame>
+    </p:spTree>
+    <p:extLst>
+      <p:ext uri="{BB962C8B-B14F-4D97-AF65-F5344CB8AC3E}">
+        <p14:creationId xmlns:p14="http://schemas.microsoft.com/office/powerpoint/2010/main" val="3873971826"/>
+      </p:ext>
+    </p:extLst>
+  </p:cSld>
+  <p:clrMapOvr>
+    <a:masterClrMapping/>
+  </p:clrMapOvr>
+</p:sld>
+</file>
+
+<file path=ppt/slides/slide7.xml><?xml version="1.0" encoding="utf-8"?>
+<p:sld xmlns:a="http://schemas.openxmlformats.org/drawingml/2006/main" xmlns:r="http://schemas.openxmlformats.org/officeDocument/2006/relationships" xmlns:p="http://schemas.openxmlformats.org/presentationml/2006/main">
+  <p:cSld>
+    <p:spTree>
+      <p:nvGrpSpPr>
+        <p:cNvPr id="1" name=""/>
+        <p:cNvGrpSpPr/>
+        <p:nvPr/>
+      </p:nvGrpSpPr>
+      <p:grpSpPr>
+        <a:xfrm>
+          <a:off x="0" y="0"/>
+          <a:ext cx="0" cy="0"/>
+          <a:chOff x="0" y="0"/>
+          <a:chExt cx="0" cy="0"/>
+        </a:xfrm>
+      </p:grpSpPr>
+      <p:sp>
+        <p:nvSpPr>
+          <p:cNvPr id="2" name="標題 1"/>
+          <p:cNvSpPr>
+            <a:spLocks noGrp="1"/>
+          </p:cNvSpPr>
+          <p:nvPr>
+            <p:ph type="ctrTitle"/>
+          </p:nvPr>
+        </p:nvSpPr>
+        <p:spPr>
+          <a:xfrm>
+            <a:off x="0" y="1"/>
+            <a:ext cx="9144000" cy="764704"/>
+          </a:xfrm>
+          <a:gradFill flip="none" rotWithShape="1">
+            <a:gsLst>
+              <a:gs pos="0">
+                <a:srgbClr val="C00000">
+                  <a:shade val="30000"/>
+                  <a:satMod val="115000"/>
+                </a:srgbClr>
+              </a:gs>
+              <a:gs pos="50000">
+                <a:srgbClr val="C00000">
+                  <a:shade val="67500"/>
+                  <a:satMod val="115000"/>
+                </a:srgbClr>
+              </a:gs>
+              <a:gs pos="100000">
+                <a:srgbClr val="C00000">
+                  <a:shade val="100000"/>
+                  <a:satMod val="115000"/>
+                </a:srgbClr>
+              </a:gs>
+            </a:gsLst>
+            <a:path path="circle">
+              <a:fillToRect t="100000" r="100000"/>
+            </a:path>
+            <a:tileRect l="-100000" b="-100000"/>
+          </a:gradFill>
+        </p:spPr>
+        <p:txBody>
+          <a:bodyPr>
+            <a:normAutofit/>
+          </a:bodyPr>
+          <a:lstStyle/>
+          <a:p>
+            <a:pPr algn="l"/>
+            <a:r>
+              <a:rPr lang="en-US" altLang="zh-TW" b="1" dirty="0">
+                <a:solidFill>
+                  <a:srgbClr val="FFFF00"/>
+                </a:solidFill>
+              </a:rPr>
+              <a:t>5 Application Components</a:t>
+            </a:r>
+            <a:endParaRPr lang="zh-TW" altLang="en-US" b="1" dirty="0">
+              <a:solidFill>
+                <a:srgbClr val="FFFF00"/>
+              </a:solidFill>
+            </a:endParaRPr>
+          </a:p>
+        </p:txBody>
+      </p:sp>
+      <p:sp>
+        <p:nvSpPr>
+          <p:cNvPr id="3" name="副標題 2"/>
+          <p:cNvSpPr>
+            <a:spLocks noGrp="1"/>
+          </p:cNvSpPr>
+          <p:nvPr>
+            <p:ph type="subTitle" idx="1"/>
+          </p:nvPr>
+        </p:nvSpPr>
+        <p:spPr>
+          <a:xfrm>
+            <a:off x="467544" y="1340768"/>
+            <a:ext cx="8352928" cy="2952328"/>
+          </a:xfrm>
+          <a:ln>
+            <a:solidFill>
+              <a:srgbClr val="C00000"/>
+            </a:solidFill>
+          </a:ln>
+        </p:spPr>
+        <p:txBody>
+          <a:bodyPr>
+            <a:noAutofit/>
+          </a:bodyPr>
+          <a:lstStyle/>
+          <a:p>
+            <a:pPr marL="342900" indent="-342900" algn="l">
+              <a:buClr>
+                <a:srgbClr val="0070C0"/>
+              </a:buClr>
+              <a:buSzPct val="80000"/>
+              <a:buFont typeface="Wingdings" pitchFamily="2" charset="2"/>
+              <a:buChar char="u"/>
+            </a:pPr>
+            <a:r>
+              <a:rPr lang="en-US" sz="1800" b="1" i="0" dirty="0">
+                <a:solidFill>
+                  <a:srgbClr val="000000"/>
+                </a:solidFill>
+                <a:effectLst/>
+              </a:rPr>
+              <a:t>Client-Side Components</a:t>
+            </a:r>
+          </a:p>
+          <a:p>
+            <a:pPr marL="342900" indent="-342900" algn="l">
+              <a:buClr>
+                <a:srgbClr val="0070C0"/>
+              </a:buClr>
+              <a:buSzPct val="80000"/>
+              <a:buFont typeface="Wingdings" pitchFamily="2" charset="2"/>
+              <a:buChar char="u"/>
+            </a:pPr>
+            <a:r>
+              <a:rPr lang="en-US" sz="1800" b="1" dirty="0">
+                <a:solidFill>
+                  <a:srgbClr val="000000"/>
+                </a:solidFill>
+              </a:rPr>
+              <a:t>B</a:t>
+            </a:r>
+            <a:r>
+              <a:rPr lang="en-US" sz="1800" b="1" i="0" dirty="0">
+                <a:solidFill>
+                  <a:srgbClr val="000000"/>
+                </a:solidFill>
+                <a:effectLst/>
+              </a:rPr>
+              <a:t>elow diagram shows a Client-Server architecture. </a:t>
+            </a:r>
+          </a:p>
+          <a:p>
+            <a:pPr marL="342900" indent="-342900" algn="l">
+              <a:buClr>
+                <a:srgbClr val="0070C0"/>
+              </a:buClr>
+              <a:buSzPct val="80000"/>
+              <a:buFont typeface="Wingdings" pitchFamily="2" charset="2"/>
+              <a:buChar char="u"/>
+            </a:pPr>
+            <a:r>
+              <a:rPr lang="en-US" sz="1800" b="1" i="0" dirty="0">
+                <a:solidFill>
+                  <a:srgbClr val="000000"/>
+                </a:solidFill>
+                <a:effectLst/>
+              </a:rPr>
+              <a:t>The web server is built on NodeJs and Express framework. </a:t>
+            </a:r>
+          </a:p>
+          <a:p>
+            <a:pPr marL="342900" indent="-342900" algn="l">
+              <a:buClr>
+                <a:srgbClr val="0070C0"/>
+              </a:buClr>
+              <a:buSzPct val="80000"/>
+              <a:buFont typeface="Wingdings" pitchFamily="2" charset="2"/>
+              <a:buChar char="u"/>
+            </a:pPr>
+            <a:r>
+              <a:rPr lang="en-US" sz="1800" b="1" i="0" dirty="0">
+                <a:solidFill>
+                  <a:srgbClr val="000000"/>
+                </a:solidFill>
+                <a:effectLst/>
+              </a:rPr>
+              <a:t>A request is made to the Apollo GraphQL Server by ReactJS application (built using Apollo Client library) or GraphiQL browser application. </a:t>
+            </a:r>
+          </a:p>
+          <a:p>
+            <a:pPr marL="342900" indent="-342900" algn="l">
+              <a:buClr>
+                <a:srgbClr val="0070C0"/>
+              </a:buClr>
+              <a:buSzPct val="80000"/>
+              <a:buFont typeface="Wingdings" pitchFamily="2" charset="2"/>
+              <a:buChar char="u"/>
+            </a:pPr>
+            <a:r>
+              <a:rPr lang="en-US" sz="1800" b="1" i="0" dirty="0">
+                <a:solidFill>
+                  <a:srgbClr val="000000"/>
+                </a:solidFill>
+                <a:effectLst/>
+              </a:rPr>
+              <a:t>The query will be parsed and validated against a schema defined in the server. </a:t>
+            </a:r>
+          </a:p>
+          <a:p>
+            <a:pPr marL="342900" indent="-342900" algn="l">
+              <a:buClr>
+                <a:srgbClr val="0070C0"/>
+              </a:buClr>
+              <a:buSzPct val="80000"/>
+              <a:buFont typeface="Wingdings" pitchFamily="2" charset="2"/>
+              <a:buChar char="u"/>
+            </a:pPr>
+            <a:r>
+              <a:rPr lang="en-US" sz="1800" b="1" i="0" dirty="0">
+                <a:solidFill>
+                  <a:srgbClr val="000000"/>
+                </a:solidFill>
+                <a:effectLst/>
+              </a:rPr>
+              <a:t>If the request schema passes the validation, then the associated resolver functions will be executed. </a:t>
+            </a:r>
+          </a:p>
+          <a:p>
+            <a:pPr marL="342900" indent="-342900" algn="l">
+              <a:buClr>
+                <a:srgbClr val="0070C0"/>
+              </a:buClr>
+              <a:buSzPct val="80000"/>
+              <a:buFont typeface="Wingdings" pitchFamily="2" charset="2"/>
+              <a:buChar char="u"/>
+            </a:pPr>
+            <a:r>
+              <a:rPr lang="en-US" sz="1800" b="1" i="0" dirty="0">
+                <a:solidFill>
+                  <a:srgbClr val="000000"/>
+                </a:solidFill>
+                <a:effectLst/>
+              </a:rPr>
+              <a:t>The resolver will contain code to fetch data from an API or a database.</a:t>
+            </a:r>
+          </a:p>
+        </p:txBody>
+      </p:sp>
+      <p:sp>
+        <p:nvSpPr>
+          <p:cNvPr id="4" name="標題 1"/>
+          <p:cNvSpPr txBox="1">
+            <a:spLocks/>
+          </p:cNvSpPr>
+          <p:nvPr/>
+        </p:nvSpPr>
+        <p:spPr>
+          <a:xfrm>
+            <a:off x="0" y="764704"/>
+            <a:ext cx="9144000" cy="398616"/>
+          </a:xfrm>
+          <a:prstGeom prst="rect">
+            <a:avLst/>
+          </a:prstGeom>
+          <a:gradFill flip="none" rotWithShape="1">
+            <a:gsLst>
+              <a:gs pos="0">
+                <a:srgbClr val="00B0F0">
+                  <a:shade val="30000"/>
+                  <a:satMod val="115000"/>
+                </a:srgbClr>
+              </a:gs>
+              <a:gs pos="50000">
+                <a:srgbClr val="00B0F0">
+                  <a:shade val="67500"/>
+                  <a:satMod val="115000"/>
+                </a:srgbClr>
+              </a:gs>
+              <a:gs pos="100000">
+                <a:srgbClr val="00B0F0">
+                  <a:shade val="100000"/>
+                  <a:satMod val="115000"/>
+                </a:srgbClr>
+              </a:gs>
+            </a:gsLst>
+            <a:path path="circle">
+              <a:fillToRect t="100000" r="100000"/>
+            </a:path>
+            <a:tileRect l="-100000" b="-100000"/>
+          </a:gradFill>
+        </p:spPr>
+        <p:txBody>
+          <a:bodyPr vert="horz" lIns="91440" tIns="45720" rIns="91440" bIns="45720" rtlCol="0" anchor="ctr">
+            <a:normAutofit/>
+          </a:bodyPr>
+          <a:lstStyle/>
+          <a:p>
+            <a:r>
+              <a:rPr lang="en-US" sz="1600" dirty="0">
+                <a:hlinkClick r:id="rId2"/>
+              </a:rPr>
+              <a:t>https://www.tutorialspoint.com/graphql/graphql_environment_setup.htm</a:t>
+            </a:r>
+            <a:endParaRPr lang="en-US" altLang="zh-TW" sz="1600" b="1" i="1" dirty="0"/>
+          </a:p>
+        </p:txBody>
+      </p:sp>
+      <p:sp>
+        <p:nvSpPr>
+          <p:cNvPr id="5" name="日期版面配置區 4"/>
+          <p:cNvSpPr>
+            <a:spLocks noGrp="1"/>
+          </p:cNvSpPr>
+          <p:nvPr>
+            <p:ph type="dt" sz="half" idx="10"/>
+          </p:nvPr>
+        </p:nvSpPr>
+        <p:spPr>
+          <a:xfrm>
+            <a:off x="457200" y="6356350"/>
+            <a:ext cx="2133600" cy="404246"/>
+          </a:xfrm>
+        </p:spPr>
+        <p:txBody>
+          <a:bodyPr/>
+          <a:lstStyle/>
+          <a:p>
+            <a:fld id="{A4F910E6-8D00-4BAF-8C48-9688E0B449D3}" type="datetime1">
+              <a:rPr lang="zh-TW" altLang="en-US" smtClean="0"/>
+              <a:pPr/>
+              <a:t>2020/10/6</a:t>
+            </a:fld>
+            <a:endParaRPr lang="zh-TW" altLang="en-US"/>
+          </a:p>
+        </p:txBody>
+      </p:sp>
+      <p:sp>
+        <p:nvSpPr>
+          <p:cNvPr id="6" name="投影片編號版面配置區 5"/>
+          <p:cNvSpPr>
+            <a:spLocks noGrp="1"/>
+          </p:cNvSpPr>
+          <p:nvPr>
+            <p:ph type="sldNum" sz="quarter" idx="12"/>
+          </p:nvPr>
+        </p:nvSpPr>
+        <p:spPr>
+          <a:xfrm>
+            <a:off x="6553200" y="6356350"/>
+            <a:ext cx="2133600" cy="404246"/>
+          </a:xfrm>
+        </p:spPr>
+        <p:txBody>
+          <a:bodyPr/>
+          <a:lstStyle/>
+          <a:p>
+            <a:fld id="{E4D7E63D-91F2-4366-A2C4-1B00C9E2590E}" type="slidenum">
+              <a:rPr lang="zh-TW" altLang="en-US" smtClean="0"/>
+              <a:pPr/>
+              <a:t>7</a:t>
+            </a:fld>
+            <a:endParaRPr lang="zh-TW" altLang="en-US"/>
+          </a:p>
+        </p:txBody>
+      </p:sp>
+      <p:pic>
+        <p:nvPicPr>
+          <p:cNvPr id="1026" name="Picture 2" descr="Client-side Components">
+            <a:extLst>
+              <a:ext uri="{FF2B5EF4-FFF2-40B4-BE49-F238E27FC236}">
+                <a16:creationId xmlns:a16="http://schemas.microsoft.com/office/drawing/2014/main" id="{96C20ED1-FB92-4FAF-9AAE-D4EDD7536241}"/>
+              </a:ext>
+            </a:extLst>
+          </p:cNvPr>
+          <p:cNvPicPr>
+            <a:picLocks noChangeAspect="1" noChangeArrowheads="1"/>
+          </p:cNvPicPr>
+          <p:nvPr/>
+        </p:nvPicPr>
+        <p:blipFill>
+          <a:blip r:embed="rId3">
+            <a:extLst>
+              <a:ext uri="{28A0092B-C50C-407E-A947-70E740481C1C}">
+                <a14:useLocalDpi xmlns:a14="http://schemas.microsoft.com/office/drawing/2010/main" val="0"/>
+              </a:ext>
+            </a:extLst>
+          </a:blip>
+          <a:srcRect/>
+          <a:stretch>
+            <a:fillRect/>
+          </a:stretch>
+        </p:blipFill>
+        <p:spPr bwMode="auto">
+          <a:xfrm>
+            <a:off x="1692357" y="4365104"/>
+            <a:ext cx="5715000" cy="2076450"/>
+          </a:xfrm>
+          <a:prstGeom prst="rect">
+            <a:avLst/>
+          </a:prstGeom>
+          <a:noFill/>
+          <a:ln>
+            <a:solidFill>
+              <a:srgbClr val="C00000"/>
+            </a:solidFill>
+          </a:ln>
+          <a:extLst>
+            <a:ext uri="{909E8E84-426E-40DD-AFC4-6F175D3DCCD1}">
+              <a14:hiddenFill xmlns:a14="http://schemas.microsoft.com/office/drawing/2010/main">
+                <a:solidFill>
+                  <a:srgbClr val="FFFFFF"/>
+                </a:solidFill>
+              </a14:hiddenFill>
+            </a:ext>
+          </a:extLst>
+        </p:spPr>
+      </p:pic>
+    </p:spTree>
+    <p:extLst>
+      <p:ext uri="{BB962C8B-B14F-4D97-AF65-F5344CB8AC3E}">
+        <p14:creationId xmlns:p14="http://schemas.microsoft.com/office/powerpoint/2010/main" val="1383769260"/>
+      </p:ext>
+    </p:extLst>
+  </p:cSld>
+  <p:clrMapOvr>
+    <a:masterClrMapping/>
+  </p:clrMapOvr>
+</p:sld>
+</file>
+
+<file path=ppt/slides/slide8.xml><?xml version="1.0" encoding="utf-8"?>
+<p:sld xmlns:a="http://schemas.openxmlformats.org/drawingml/2006/main" xmlns:r="http://schemas.openxmlformats.org/officeDocument/2006/relationships" xmlns:p="http://schemas.openxmlformats.org/presentationml/2006/main">
+  <p:cSld>
+    <p:spTree>
+      <p:nvGrpSpPr>
+        <p:cNvPr id="1" name=""/>
+        <p:cNvGrpSpPr/>
+        <p:nvPr/>
+      </p:nvGrpSpPr>
+      <p:grpSpPr>
+        <a:xfrm>
+          <a:off x="0" y="0"/>
+          <a:ext cx="0" cy="0"/>
+          <a:chOff x="0" y="0"/>
+          <a:chExt cx="0" cy="0"/>
+        </a:xfrm>
+      </p:grpSpPr>
+      <p:sp>
+        <p:nvSpPr>
+          <p:cNvPr id="2" name="標題 1"/>
+          <p:cNvSpPr>
+            <a:spLocks noGrp="1"/>
+          </p:cNvSpPr>
+          <p:nvPr>
+            <p:ph type="ctrTitle"/>
+          </p:nvPr>
+        </p:nvSpPr>
+        <p:spPr>
+          <a:xfrm>
+            <a:off x="0" y="2130425"/>
+            <a:ext cx="9144000" cy="1470025"/>
+          </a:xfrm>
+          <a:gradFill flip="none" rotWithShape="1">
+            <a:gsLst>
+              <a:gs pos="0">
+                <a:srgbClr val="00B0F0">
+                  <a:shade val="30000"/>
+                  <a:satMod val="115000"/>
+                </a:srgbClr>
+              </a:gs>
+              <a:gs pos="50000">
+                <a:srgbClr val="00B0F0">
+                  <a:shade val="67500"/>
+                  <a:satMod val="115000"/>
+                </a:srgbClr>
+              </a:gs>
+              <a:gs pos="100000">
+                <a:srgbClr val="00B0F0">
+                  <a:shade val="100000"/>
+                  <a:satMod val="115000"/>
+                </a:srgbClr>
+              </a:gs>
+            </a:gsLst>
+            <a:path path="circle">
+              <a:fillToRect t="100000" r="100000"/>
+            </a:path>
+            <a:tileRect l="-100000" b="-100000"/>
+          </a:gradFill>
+        </p:spPr>
+        <p:txBody>
           <a:bodyPr>
             <a:normAutofit/>
           </a:bodyPr>
@@ -4056,7 +5793,7 @@
             <a:fld id="{4E46BE27-E923-4EC2-B046-3272AE2A3E5C}" type="datetime1">
               <a:rPr lang="zh-TW" altLang="en-US" smtClean="0"/>
               <a:pPr/>
-              <a:t>2020/3/23</a:t>
+              <a:t>2020/10/6</a:t>
             </a:fld>
             <a:endParaRPr lang="zh-TW" altLang="en-US"/>
           </a:p>
@@ -4080,7 +5817,7 @@
             <a:fld id="{E4D7E63D-91F2-4366-A2C4-1B00C9E2590E}" type="slidenum">
               <a:rPr lang="zh-TW" altLang="en-US" smtClean="0"/>
               <a:pPr/>
-              <a:t>3</a:t>
+              <a:t>8</a:t>
             </a:fld>
             <a:endParaRPr lang="zh-TW" altLang="en-US"/>
           </a:p>
